--- a/Meeting Slides/Meeting 28 nov.pptx
+++ b/Meeting Slides/Meeting 28 nov.pptx
@@ -2469,7 +2469,7 @@
           <p:nvPr>
             <p:extLst>
               <p:ext uri="{D42A27DB-BD31-4B8C-83A1-F6EECF244321}">
-                <p14:modId xmlns:p14="http://schemas.microsoft.com/office/powerpoint/2010/main" val="1395799465"/>
+                <p14:modId xmlns:p14="http://schemas.microsoft.com/office/powerpoint/2010/main" val="1352266605"/>
               </p:ext>
             </p:extLst>
           </p:nvPr>
@@ -2584,7 +2584,7 @@
                     <a:p>
                       <a:r>
                         <a:rPr lang="en-US" dirty="0"/>
-                        <a:t>20</a:t>
+                        <a:t>27</a:t>
                       </a:r>
                     </a:p>
                   </a:txBody>
@@ -2597,7 +2597,7 @@
                     <a:p>
                       <a:r>
                         <a:rPr lang="en-US" dirty="0"/>
-                        <a:t>50</a:t>
+                        <a:t>57</a:t>
                       </a:r>
                     </a:p>
                   </a:txBody>
@@ -2634,9 +2634,10 @@
                     <a:lstStyle/>
                     <a:p>
                       <a:r>
-                        <a:rPr lang="en-US" dirty="0"/>
-                        <a:t>20</a:t>
+                        <a:rPr lang="en-US"/>
+                        <a:t>27</a:t>
                       </a:r>
+                      <a:endParaRPr lang="en-US" dirty="0"/>
                     </a:p>
                   </a:txBody>
                   <a:tcPr/>
@@ -2648,7 +2649,7 @@
                     <a:p>
                       <a:r>
                         <a:rPr lang="en-US" dirty="0"/>
-                        <a:t>50</a:t>
+                        <a:t>57</a:t>
                       </a:r>
                     </a:p>
                   </a:txBody>
@@ -4109,7 +4110,6 @@
               <a:rPr lang="en-US" dirty="0"/>
               <a:t>Upload high score function for Android</a:t>
             </a:r>
-            <a:endParaRPr lang="en-US" dirty="0"/>
           </a:p>
           <a:p>
             <a:pPr lvl="2"/>
@@ -4117,7 +4117,6 @@
               <a:rPr lang="en-US" dirty="0"/>
               <a:t>Publish results dialog</a:t>
             </a:r>
-            <a:endParaRPr lang="en-US" dirty="0"/>
           </a:p>
           <a:p>
             <a:r>
